--- a/sketches/sp421-ui-sketches.pptx
+++ b/sketches/sp421-ui-sketches.pptx
@@ -20,16 +20,17 @@
     <p:sldId id="273" r:id="rId14"/>
     <p:sldId id="275" r:id="rId15"/>
     <p:sldId id="279" r:id="rId16"/>
-    <p:sldId id="267" r:id="rId17"/>
-    <p:sldId id="258" r:id="rId18"/>
-    <p:sldId id="259" r:id="rId19"/>
-    <p:sldId id="260" r:id="rId20"/>
-    <p:sldId id="261" r:id="rId21"/>
-    <p:sldId id="262" r:id="rId22"/>
-    <p:sldId id="263" r:id="rId23"/>
-    <p:sldId id="264" r:id="rId24"/>
-    <p:sldId id="265" r:id="rId25"/>
-    <p:sldId id="266" r:id="rId26"/>
+    <p:sldId id="281" r:id="rId17"/>
+    <p:sldId id="267" r:id="rId18"/>
+    <p:sldId id="258" r:id="rId19"/>
+    <p:sldId id="259" r:id="rId20"/>
+    <p:sldId id="260" r:id="rId21"/>
+    <p:sldId id="261" r:id="rId22"/>
+    <p:sldId id="262" r:id="rId23"/>
+    <p:sldId id="263" r:id="rId24"/>
+    <p:sldId id="264" r:id="rId25"/>
+    <p:sldId id="265" r:id="rId26"/>
+    <p:sldId id="266" r:id="rId27"/>
   </p:sldIdLst>
   <p:sldSz cx="12192000" cy="6858000"/>
   <p:notesSz cx="6858000" cy="9144000"/>
@@ -128,6 +129,11 @@
       </a:defRPr>
     </a:lvl9pPr>
   </p:defaultTextStyle>
+  <p:extLst>
+    <p:ext uri="{EFAFB233-063F-42B5-8137-9DF3F51BA10A}">
+      <p15:sldGuideLst xmlns:p15="http://schemas.microsoft.com/office/powerpoint/2012/main"/>
+    </p:ext>
+  </p:extLst>
 </p:presentation>
 </file>
 
@@ -8650,6 +8656,489 @@
           <a:chExt cx="0" cy="0"/>
         </a:xfrm>
       </p:grpSpPr>
+      <p:sp>
+        <p:nvSpPr>
+          <p:cNvPr id="3" name="Rectangle 2">
+            <a:extLst>
+              <a:ext uri="{FF2B5EF4-FFF2-40B4-BE49-F238E27FC236}">
+                <a16:creationId xmlns:a16="http://schemas.microsoft.com/office/drawing/2014/main" id="{178C950A-DB61-47AF-9DD0-C581F04E3588}"/>
+              </a:ext>
+            </a:extLst>
+          </p:cNvPr>
+          <p:cNvSpPr/>
+          <p:nvPr/>
+        </p:nvSpPr>
+        <p:spPr>
+          <a:xfrm>
+            <a:off x="8653518" y="-99498"/>
+            <a:ext cx="3230880" cy="6895048"/>
+          </a:xfrm>
+          <a:prstGeom prst="rect">
+            <a:avLst/>
+          </a:prstGeom>
+          <a:solidFill>
+            <a:schemeClr val="bg1"/>
+          </a:solidFill>
+          <a:ln>
+            <a:solidFill>
+              <a:schemeClr val="tx1"/>
+            </a:solidFill>
+          </a:ln>
+        </p:spPr>
+        <p:style>
+          <a:lnRef idx="2">
+            <a:schemeClr val="accent1">
+              <a:shade val="50000"/>
+            </a:schemeClr>
+          </a:lnRef>
+          <a:fillRef idx="1">
+            <a:schemeClr val="accent1"/>
+          </a:fillRef>
+          <a:effectRef idx="0">
+            <a:schemeClr val="accent1"/>
+          </a:effectRef>
+          <a:fontRef idx="minor">
+            <a:schemeClr val="lt1"/>
+          </a:fontRef>
+        </p:style>
+        <p:txBody>
+          <a:bodyPr rtlCol="0" anchor="ctr"/>
+          <a:lstStyle/>
+          <a:p>
+            <a:pPr algn="ctr"/>
+            <a:endParaRPr lang="en-US"/>
+          </a:p>
+        </p:txBody>
+      </p:sp>
+      <p:sp>
+        <p:nvSpPr>
+          <p:cNvPr id="4" name="TextBox 3">
+            <a:extLst>
+              <a:ext uri="{FF2B5EF4-FFF2-40B4-BE49-F238E27FC236}">
+                <a16:creationId xmlns:a16="http://schemas.microsoft.com/office/drawing/2014/main" id="{80711BBE-7E9C-44CF-A35D-AC78E68C9834}"/>
+              </a:ext>
+            </a:extLst>
+          </p:cNvPr>
+          <p:cNvSpPr txBox="1"/>
+          <p:nvPr/>
+        </p:nvSpPr>
+        <p:spPr>
+          <a:xfrm>
+            <a:off x="9699388" y="-194814"/>
+            <a:ext cx="921582" cy="1261884"/>
+          </a:xfrm>
+          <a:prstGeom prst="rect">
+            <a:avLst/>
+          </a:prstGeom>
+          <a:noFill/>
+        </p:spPr>
+        <p:txBody>
+          <a:bodyPr wrap="square" rtlCol="0">
+            <a:spAutoFit/>
+          </a:bodyPr>
+          <a:lstStyle/>
+          <a:p>
+            <a:pPr algn="ctr"/>
+            <a:r>
+              <a:rPr lang="en-US" sz="7600" b="1" dirty="0">
+                <a:latin typeface="Motorwerk" panose="02000503030000020004" pitchFamily="2" charset="0"/>
+                <a:cs typeface="Adobe Naskh Medium" panose="01010101010101010101" pitchFamily="50" charset="-78"/>
+              </a:rPr>
+              <a:t>0</a:t>
+            </a:r>
+          </a:p>
+        </p:txBody>
+      </p:sp>
+      <p:sp>
+        <p:nvSpPr>
+          <p:cNvPr id="5" name="TextBox 4">
+            <a:extLst>
+              <a:ext uri="{FF2B5EF4-FFF2-40B4-BE49-F238E27FC236}">
+                <a16:creationId xmlns:a16="http://schemas.microsoft.com/office/drawing/2014/main" id="{0B97E96F-FB69-4A0C-B26B-3D08426E8ED4}"/>
+              </a:ext>
+            </a:extLst>
+          </p:cNvPr>
+          <p:cNvSpPr txBox="1"/>
+          <p:nvPr/>
+        </p:nvSpPr>
+        <p:spPr>
+          <a:xfrm>
+            <a:off x="9699388" y="295158"/>
+            <a:ext cx="921582" cy="1261884"/>
+          </a:xfrm>
+          <a:prstGeom prst="rect">
+            <a:avLst/>
+          </a:prstGeom>
+          <a:noFill/>
+        </p:spPr>
+        <p:txBody>
+          <a:bodyPr wrap="square" rtlCol="0">
+            <a:spAutoFit/>
+          </a:bodyPr>
+          <a:lstStyle/>
+          <a:p>
+            <a:pPr algn="ctr"/>
+            <a:r>
+              <a:rPr lang="en-US" sz="7600" b="1" dirty="0">
+                <a:latin typeface="Motorwerk" panose="02000503030000020004" pitchFamily="2" charset="0"/>
+                <a:cs typeface="Adobe Naskh Medium" panose="01010101010101010101" pitchFamily="50" charset="-78"/>
+              </a:rPr>
+              <a:t>1</a:t>
+            </a:r>
+          </a:p>
+        </p:txBody>
+      </p:sp>
+      <p:sp>
+        <p:nvSpPr>
+          <p:cNvPr id="6" name="TextBox 5">
+            <a:extLst>
+              <a:ext uri="{FF2B5EF4-FFF2-40B4-BE49-F238E27FC236}">
+                <a16:creationId xmlns:a16="http://schemas.microsoft.com/office/drawing/2014/main" id="{DD9A90EA-46B0-4B71-84CF-36B39A11B751}"/>
+              </a:ext>
+            </a:extLst>
+          </p:cNvPr>
+          <p:cNvSpPr txBox="1"/>
+          <p:nvPr/>
+        </p:nvSpPr>
+        <p:spPr>
+          <a:xfrm>
+            <a:off x="9699388" y="785130"/>
+            <a:ext cx="921582" cy="1261884"/>
+          </a:xfrm>
+          <a:prstGeom prst="rect">
+            <a:avLst/>
+          </a:prstGeom>
+          <a:noFill/>
+        </p:spPr>
+        <p:txBody>
+          <a:bodyPr wrap="square" rtlCol="0">
+            <a:spAutoFit/>
+          </a:bodyPr>
+          <a:lstStyle/>
+          <a:p>
+            <a:pPr algn="ctr"/>
+            <a:r>
+              <a:rPr lang="en-US" sz="7600" b="1" dirty="0">
+                <a:latin typeface="Motorwerk" panose="02000503030000020004" pitchFamily="2" charset="0"/>
+                <a:cs typeface="Adobe Naskh Medium" panose="01010101010101010101" pitchFamily="50" charset="-78"/>
+              </a:rPr>
+              <a:t>2</a:t>
+            </a:r>
+          </a:p>
+        </p:txBody>
+      </p:sp>
+      <p:sp>
+        <p:nvSpPr>
+          <p:cNvPr id="7" name="TextBox 6">
+            <a:extLst>
+              <a:ext uri="{FF2B5EF4-FFF2-40B4-BE49-F238E27FC236}">
+                <a16:creationId xmlns:a16="http://schemas.microsoft.com/office/drawing/2014/main" id="{500CDA79-6695-4B71-AFAF-6BE52A1BCE5F}"/>
+              </a:ext>
+            </a:extLst>
+          </p:cNvPr>
+          <p:cNvSpPr txBox="1"/>
+          <p:nvPr/>
+        </p:nvSpPr>
+        <p:spPr>
+          <a:xfrm>
+            <a:off x="9699388" y="1275102"/>
+            <a:ext cx="921582" cy="1261884"/>
+          </a:xfrm>
+          <a:prstGeom prst="rect">
+            <a:avLst/>
+          </a:prstGeom>
+          <a:noFill/>
+        </p:spPr>
+        <p:txBody>
+          <a:bodyPr wrap="square" rtlCol="0">
+            <a:spAutoFit/>
+          </a:bodyPr>
+          <a:lstStyle/>
+          <a:p>
+            <a:pPr algn="ctr"/>
+            <a:r>
+              <a:rPr lang="en-US" sz="7600" b="1" dirty="0">
+                <a:latin typeface="Motorwerk" panose="02000503030000020004" pitchFamily="2" charset="0"/>
+                <a:cs typeface="Adobe Naskh Medium" panose="01010101010101010101" pitchFamily="50" charset="-78"/>
+              </a:rPr>
+              <a:t>3</a:t>
+            </a:r>
+          </a:p>
+        </p:txBody>
+      </p:sp>
+      <p:sp>
+        <p:nvSpPr>
+          <p:cNvPr id="8" name="TextBox 7">
+            <a:extLst>
+              <a:ext uri="{FF2B5EF4-FFF2-40B4-BE49-F238E27FC236}">
+                <a16:creationId xmlns:a16="http://schemas.microsoft.com/office/drawing/2014/main" id="{7B4985A1-8D92-4088-A003-4340473D0AA2}"/>
+              </a:ext>
+            </a:extLst>
+          </p:cNvPr>
+          <p:cNvSpPr txBox="1"/>
+          <p:nvPr/>
+        </p:nvSpPr>
+        <p:spPr>
+          <a:xfrm>
+            <a:off x="9699388" y="1765074"/>
+            <a:ext cx="921582" cy="1261884"/>
+          </a:xfrm>
+          <a:prstGeom prst="rect">
+            <a:avLst/>
+          </a:prstGeom>
+          <a:noFill/>
+        </p:spPr>
+        <p:txBody>
+          <a:bodyPr wrap="square" rtlCol="0">
+            <a:spAutoFit/>
+          </a:bodyPr>
+          <a:lstStyle/>
+          <a:p>
+            <a:pPr algn="ctr"/>
+            <a:r>
+              <a:rPr lang="en-US" sz="7600" b="1" dirty="0">
+                <a:latin typeface="Motorwerk" panose="02000503030000020004" pitchFamily="2" charset="0"/>
+                <a:cs typeface="Adobe Naskh Medium" panose="01010101010101010101" pitchFamily="50" charset="-78"/>
+              </a:rPr>
+              <a:t>4</a:t>
+            </a:r>
+          </a:p>
+        </p:txBody>
+      </p:sp>
+      <p:sp>
+        <p:nvSpPr>
+          <p:cNvPr id="9" name="TextBox 8">
+            <a:extLst>
+              <a:ext uri="{FF2B5EF4-FFF2-40B4-BE49-F238E27FC236}">
+                <a16:creationId xmlns:a16="http://schemas.microsoft.com/office/drawing/2014/main" id="{5390698B-389D-4E10-9FE1-3C2D242A8F78}"/>
+              </a:ext>
+            </a:extLst>
+          </p:cNvPr>
+          <p:cNvSpPr txBox="1"/>
+          <p:nvPr/>
+        </p:nvSpPr>
+        <p:spPr>
+          <a:xfrm>
+            <a:off x="9699388" y="2255046"/>
+            <a:ext cx="921582" cy="1261884"/>
+          </a:xfrm>
+          <a:prstGeom prst="rect">
+            <a:avLst/>
+          </a:prstGeom>
+          <a:noFill/>
+        </p:spPr>
+        <p:txBody>
+          <a:bodyPr wrap="square" rtlCol="0">
+            <a:spAutoFit/>
+          </a:bodyPr>
+          <a:lstStyle/>
+          <a:p>
+            <a:pPr algn="ctr"/>
+            <a:r>
+              <a:rPr lang="en-US" sz="7600" b="1" dirty="0">
+                <a:latin typeface="Motorwerk" panose="02000503030000020004" pitchFamily="2" charset="0"/>
+                <a:cs typeface="Adobe Naskh Medium" panose="01010101010101010101" pitchFamily="50" charset="-78"/>
+              </a:rPr>
+              <a:t>5</a:t>
+            </a:r>
+          </a:p>
+        </p:txBody>
+      </p:sp>
+      <p:sp>
+        <p:nvSpPr>
+          <p:cNvPr id="10" name="TextBox 9">
+            <a:extLst>
+              <a:ext uri="{FF2B5EF4-FFF2-40B4-BE49-F238E27FC236}">
+                <a16:creationId xmlns:a16="http://schemas.microsoft.com/office/drawing/2014/main" id="{BE972928-1428-49AF-A93D-A40897EF1E69}"/>
+              </a:ext>
+            </a:extLst>
+          </p:cNvPr>
+          <p:cNvSpPr txBox="1"/>
+          <p:nvPr/>
+        </p:nvSpPr>
+        <p:spPr>
+          <a:xfrm>
+            <a:off x="9699388" y="2745018"/>
+            <a:ext cx="921582" cy="1261884"/>
+          </a:xfrm>
+          <a:prstGeom prst="rect">
+            <a:avLst/>
+          </a:prstGeom>
+          <a:noFill/>
+        </p:spPr>
+        <p:txBody>
+          <a:bodyPr wrap="square" rtlCol="0">
+            <a:spAutoFit/>
+          </a:bodyPr>
+          <a:lstStyle/>
+          <a:p>
+            <a:pPr algn="ctr"/>
+            <a:r>
+              <a:rPr lang="en-US" sz="7600" b="1" dirty="0">
+                <a:latin typeface="Motorwerk" panose="02000503030000020004" pitchFamily="2" charset="0"/>
+                <a:cs typeface="Adobe Naskh Medium" panose="01010101010101010101" pitchFamily="50" charset="-78"/>
+              </a:rPr>
+              <a:t>6</a:t>
+            </a:r>
+          </a:p>
+        </p:txBody>
+      </p:sp>
+      <p:sp>
+        <p:nvSpPr>
+          <p:cNvPr id="11" name="TextBox 10">
+            <a:extLst>
+              <a:ext uri="{FF2B5EF4-FFF2-40B4-BE49-F238E27FC236}">
+                <a16:creationId xmlns:a16="http://schemas.microsoft.com/office/drawing/2014/main" id="{CC091BA6-6343-4AB3-8181-994297239B53}"/>
+              </a:ext>
+            </a:extLst>
+          </p:cNvPr>
+          <p:cNvSpPr txBox="1"/>
+          <p:nvPr/>
+        </p:nvSpPr>
+        <p:spPr>
+          <a:xfrm>
+            <a:off x="9699388" y="3234990"/>
+            <a:ext cx="921582" cy="1261884"/>
+          </a:xfrm>
+          <a:prstGeom prst="rect">
+            <a:avLst/>
+          </a:prstGeom>
+          <a:noFill/>
+        </p:spPr>
+        <p:txBody>
+          <a:bodyPr wrap="square" rtlCol="0">
+            <a:spAutoFit/>
+          </a:bodyPr>
+          <a:lstStyle/>
+          <a:p>
+            <a:pPr algn="ctr"/>
+            <a:r>
+              <a:rPr lang="en-US" sz="7600" b="1" dirty="0">
+                <a:latin typeface="Motorwerk" panose="02000503030000020004" pitchFamily="2" charset="0"/>
+                <a:cs typeface="Adobe Naskh Medium" panose="01010101010101010101" pitchFamily="50" charset="-78"/>
+              </a:rPr>
+              <a:t>7</a:t>
+            </a:r>
+          </a:p>
+        </p:txBody>
+      </p:sp>
+      <p:sp>
+        <p:nvSpPr>
+          <p:cNvPr id="12" name="TextBox 11">
+            <a:extLst>
+              <a:ext uri="{FF2B5EF4-FFF2-40B4-BE49-F238E27FC236}">
+                <a16:creationId xmlns:a16="http://schemas.microsoft.com/office/drawing/2014/main" id="{F1828D95-BCEE-4BC5-9C29-320622F8E667}"/>
+              </a:ext>
+            </a:extLst>
+          </p:cNvPr>
+          <p:cNvSpPr txBox="1"/>
+          <p:nvPr/>
+        </p:nvSpPr>
+        <p:spPr>
+          <a:xfrm>
+            <a:off x="9699388" y="3724962"/>
+            <a:ext cx="921582" cy="1261884"/>
+          </a:xfrm>
+          <a:prstGeom prst="rect">
+            <a:avLst/>
+          </a:prstGeom>
+          <a:noFill/>
+        </p:spPr>
+        <p:txBody>
+          <a:bodyPr wrap="square" rtlCol="0">
+            <a:spAutoFit/>
+          </a:bodyPr>
+          <a:lstStyle/>
+          <a:p>
+            <a:pPr algn="ctr"/>
+            <a:r>
+              <a:rPr lang="en-US" sz="7600" b="1" dirty="0">
+                <a:latin typeface="Motorwerk" panose="02000503030000020004" pitchFamily="2" charset="0"/>
+                <a:cs typeface="Adobe Naskh Medium" panose="01010101010101010101" pitchFamily="50" charset="-78"/>
+              </a:rPr>
+              <a:t>8</a:t>
+            </a:r>
+          </a:p>
+        </p:txBody>
+      </p:sp>
+      <p:sp>
+        <p:nvSpPr>
+          <p:cNvPr id="13" name="TextBox 12">
+            <a:extLst>
+              <a:ext uri="{FF2B5EF4-FFF2-40B4-BE49-F238E27FC236}">
+                <a16:creationId xmlns:a16="http://schemas.microsoft.com/office/drawing/2014/main" id="{44A32603-E8A7-4E3B-AD19-3372A43B0579}"/>
+              </a:ext>
+            </a:extLst>
+          </p:cNvPr>
+          <p:cNvSpPr txBox="1"/>
+          <p:nvPr/>
+        </p:nvSpPr>
+        <p:spPr>
+          <a:xfrm>
+            <a:off x="9699388" y="4214934"/>
+            <a:ext cx="921582" cy="1261884"/>
+          </a:xfrm>
+          <a:prstGeom prst="rect">
+            <a:avLst/>
+          </a:prstGeom>
+          <a:noFill/>
+        </p:spPr>
+        <p:txBody>
+          <a:bodyPr wrap="square" rtlCol="0">
+            <a:spAutoFit/>
+          </a:bodyPr>
+          <a:lstStyle/>
+          <a:p>
+            <a:pPr algn="ctr"/>
+            <a:r>
+              <a:rPr lang="en-US" sz="7600" b="1" dirty="0">
+                <a:latin typeface="Motorwerk" panose="02000503030000020004" pitchFamily="2" charset="0"/>
+                <a:cs typeface="Adobe Naskh Medium" panose="01010101010101010101" pitchFamily="50" charset="-78"/>
+              </a:rPr>
+              <a:t>9</a:t>
+            </a:r>
+          </a:p>
+        </p:txBody>
+      </p:sp>
+      <p:sp>
+        <p:nvSpPr>
+          <p:cNvPr id="14" name="TextBox 13">
+            <a:extLst>
+              <a:ext uri="{FF2B5EF4-FFF2-40B4-BE49-F238E27FC236}">
+                <a16:creationId xmlns:a16="http://schemas.microsoft.com/office/drawing/2014/main" id="{51EEBFE2-D5BB-4038-9E06-50CD68949D0E}"/>
+              </a:ext>
+            </a:extLst>
+          </p:cNvPr>
+          <p:cNvSpPr txBox="1"/>
+          <p:nvPr/>
+        </p:nvSpPr>
+        <p:spPr>
+          <a:xfrm>
+            <a:off x="9699388" y="4704905"/>
+            <a:ext cx="921582" cy="1261884"/>
+          </a:xfrm>
+          <a:prstGeom prst="rect">
+            <a:avLst/>
+          </a:prstGeom>
+          <a:noFill/>
+        </p:spPr>
+        <p:txBody>
+          <a:bodyPr wrap="square" rtlCol="0">
+            <a:spAutoFit/>
+          </a:bodyPr>
+          <a:lstStyle/>
+          <a:p>
+            <a:pPr algn="ctr"/>
+            <a:r>
+              <a:rPr lang="en-US" sz="7600" b="1" dirty="0">
+                <a:latin typeface="Motorwerk" panose="02000503030000020004" pitchFamily="2" charset="0"/>
+                <a:cs typeface="Adobe Naskh Medium" panose="01010101010101010101" pitchFamily="50" charset="-78"/>
+              </a:rPr>
+              <a:t>,</a:t>
+            </a:r>
+          </a:p>
+        </p:txBody>
+      </p:sp>
     </p:spTree>
     <p:extLst>
       <p:ext uri="{BB962C8B-B14F-4D97-AF65-F5344CB8AC3E}">
@@ -8664,6 +9153,36 @@
 </file>
 
 <file path=ppt/slides/slide16.xml><?xml version="1.0" encoding="utf-8"?>
+<p:sld xmlns:a="http://schemas.openxmlformats.org/drawingml/2006/main" xmlns:r="http://schemas.openxmlformats.org/officeDocument/2006/relationships" xmlns:p="http://schemas.openxmlformats.org/presentationml/2006/main">
+  <p:cSld>
+    <p:spTree>
+      <p:nvGrpSpPr>
+        <p:cNvPr id="1" name=""/>
+        <p:cNvGrpSpPr/>
+        <p:nvPr/>
+      </p:nvGrpSpPr>
+      <p:grpSpPr>
+        <a:xfrm>
+          <a:off x="0" y="0"/>
+          <a:ext cx="0" cy="0"/>
+          <a:chOff x="0" y="0"/>
+          <a:chExt cx="0" cy="0"/>
+        </a:xfrm>
+      </p:grpSpPr>
+    </p:spTree>
+    <p:extLst>
+      <p:ext uri="{BB962C8B-B14F-4D97-AF65-F5344CB8AC3E}">
+        <p14:creationId xmlns:p14="http://schemas.microsoft.com/office/powerpoint/2010/main" val="3694428195"/>
+      </p:ext>
+    </p:extLst>
+  </p:cSld>
+  <p:clrMapOvr>
+    <a:masterClrMapping/>
+  </p:clrMapOvr>
+</p:sld>
+</file>
+
+<file path=ppt/slides/slide17.xml><?xml version="1.0" encoding="utf-8"?>
 <p:sld xmlns:a="http://schemas.openxmlformats.org/drawingml/2006/main" xmlns:r="http://schemas.openxmlformats.org/officeDocument/2006/relationships" xmlns:p="http://schemas.openxmlformats.org/presentationml/2006/main">
   <p:cSld>
     <p:spTree>
@@ -8748,7 +9267,7 @@
         </p:nvSpPr>
         <p:spPr>
           <a:xfrm>
-            <a:off x="8422640" y="212293"/>
+            <a:off x="8526780" y="640600"/>
             <a:ext cx="3383280" cy="1569660"/>
           </a:xfrm>
           <a:prstGeom prst="rect">
@@ -9033,7 +9552,7 @@
 </p:sld>
 </file>
 
-<file path=ppt/slides/slide17.xml><?xml version="1.0" encoding="utf-8"?>
+<file path=ppt/slides/slide18.xml><?xml version="1.0" encoding="utf-8"?>
 <p:sld xmlns:a="http://schemas.openxmlformats.org/drawingml/2006/main" xmlns:r="http://schemas.openxmlformats.org/officeDocument/2006/relationships" xmlns:p="http://schemas.openxmlformats.org/presentationml/2006/main">
   <p:cSld>
     <p:spTree>
@@ -9312,7 +9831,7 @@
 </p:sld>
 </file>
 
-<file path=ppt/slides/slide18.xml><?xml version="1.0" encoding="utf-8"?>
+<file path=ppt/slides/slide19.xml><?xml version="1.0" encoding="utf-8"?>
 <p:sld xmlns:a="http://schemas.openxmlformats.org/drawingml/2006/main" xmlns:r="http://schemas.openxmlformats.org/officeDocument/2006/relationships" xmlns:p="http://schemas.openxmlformats.org/presentationml/2006/main">
   <p:cSld>
     <p:spTree>
@@ -9673,389 +10192,6 @@
     <p:extLst>
       <p:ext uri="{BB962C8B-B14F-4D97-AF65-F5344CB8AC3E}">
         <p14:creationId xmlns:p14="http://schemas.microsoft.com/office/powerpoint/2010/main" val="1139293916"/>
-      </p:ext>
-    </p:extLst>
-  </p:cSld>
-  <p:clrMapOvr>
-    <a:masterClrMapping/>
-  </p:clrMapOvr>
-</p:sld>
-</file>
-
-<file path=ppt/slides/slide19.xml><?xml version="1.0" encoding="utf-8"?>
-<p:sld xmlns:a="http://schemas.openxmlformats.org/drawingml/2006/main" xmlns:r="http://schemas.openxmlformats.org/officeDocument/2006/relationships" xmlns:p="http://schemas.openxmlformats.org/presentationml/2006/main">
-  <p:cSld>
-    <p:spTree>
-      <p:nvGrpSpPr>
-        <p:cNvPr id="1" name=""/>
-        <p:cNvGrpSpPr/>
-        <p:nvPr/>
-      </p:nvGrpSpPr>
-      <p:grpSpPr>
-        <a:xfrm>
-          <a:off x="0" y="0"/>
-          <a:ext cx="0" cy="0"/>
-          <a:chOff x="0" y="0"/>
-          <a:chExt cx="0" cy="0"/>
-        </a:xfrm>
-      </p:grpSpPr>
-      <p:sp>
-        <p:nvSpPr>
-          <p:cNvPr id="14" name="Rectangle 13">
-            <a:extLst>
-              <a:ext uri="{FF2B5EF4-FFF2-40B4-BE49-F238E27FC236}">
-                <a16:creationId xmlns:a16="http://schemas.microsoft.com/office/drawing/2014/main" id="{2B5C8B1F-1058-4CF2-8004-801111F8DA45}"/>
-              </a:ext>
-            </a:extLst>
-          </p:cNvPr>
-          <p:cNvSpPr/>
-          <p:nvPr/>
-        </p:nvSpPr>
-        <p:spPr>
-          <a:xfrm>
-            <a:off x="8585200" y="294640"/>
-            <a:ext cx="3230880" cy="6177280"/>
-          </a:xfrm>
-          <a:prstGeom prst="rect">
-            <a:avLst/>
-          </a:prstGeom>
-          <a:solidFill>
-            <a:srgbClr val="F5F4EF"/>
-          </a:solidFill>
-          <a:ln>
-            <a:solidFill>
-              <a:schemeClr val="tx1"/>
-            </a:solidFill>
-          </a:ln>
-        </p:spPr>
-        <p:style>
-          <a:lnRef idx="2">
-            <a:schemeClr val="accent1">
-              <a:shade val="50000"/>
-            </a:schemeClr>
-          </a:lnRef>
-          <a:fillRef idx="1">
-            <a:schemeClr val="accent1"/>
-          </a:fillRef>
-          <a:effectRef idx="0">
-            <a:schemeClr val="accent1"/>
-          </a:effectRef>
-          <a:fontRef idx="minor">
-            <a:schemeClr val="lt1"/>
-          </a:fontRef>
-        </p:style>
-        <p:txBody>
-          <a:bodyPr rtlCol="0" anchor="ctr"/>
-          <a:lstStyle/>
-          <a:p>
-            <a:pPr algn="ctr"/>
-            <a:endParaRPr lang="en-US"/>
-          </a:p>
-        </p:txBody>
-      </p:sp>
-      <p:sp>
-        <p:nvSpPr>
-          <p:cNvPr id="21" name="TextBox 20">
-            <a:extLst>
-              <a:ext uri="{FF2B5EF4-FFF2-40B4-BE49-F238E27FC236}">
-                <a16:creationId xmlns:a16="http://schemas.microsoft.com/office/drawing/2014/main" id="{57BE1FF1-30A9-40BD-A373-B9E60DE4875D}"/>
-              </a:ext>
-            </a:extLst>
-          </p:cNvPr>
-          <p:cNvSpPr txBox="1"/>
-          <p:nvPr/>
-        </p:nvSpPr>
-        <p:spPr>
-          <a:xfrm>
-            <a:off x="8509000" y="133310"/>
-            <a:ext cx="3383280" cy="2092881"/>
-          </a:xfrm>
-          <a:prstGeom prst="rect">
-            <a:avLst/>
-          </a:prstGeom>
-          <a:noFill/>
-        </p:spPr>
-        <p:txBody>
-          <a:bodyPr wrap="square" rtlCol="0">
-            <a:spAutoFit/>
-          </a:bodyPr>
-          <a:lstStyle/>
-          <a:p>
-            <a:pPr algn="ctr"/>
-            <a:r>
-              <a:rPr lang="en-US" sz="13000" b="1" dirty="0">
-                <a:latin typeface="Gill Sans MT Ext Condensed Bold" panose="020B0902020104020203" pitchFamily="34" charset="0"/>
-                <a:cs typeface="Adobe Naskh Medium" panose="01010101010101010101" pitchFamily="50" charset="-78"/>
-              </a:rPr>
-              <a:t>123,456</a:t>
-            </a:r>
-          </a:p>
-        </p:txBody>
-      </p:sp>
-      <p:sp>
-        <p:nvSpPr>
-          <p:cNvPr id="15" name="TextBox 14">
-            <a:extLst>
-              <a:ext uri="{FF2B5EF4-FFF2-40B4-BE49-F238E27FC236}">
-                <a16:creationId xmlns:a16="http://schemas.microsoft.com/office/drawing/2014/main" id="{5C06B116-AA6E-4399-9B5D-EB90B3807676}"/>
-              </a:ext>
-            </a:extLst>
-          </p:cNvPr>
-          <p:cNvSpPr txBox="1"/>
-          <p:nvPr/>
-        </p:nvSpPr>
-        <p:spPr>
-          <a:xfrm>
-            <a:off x="8509000" y="1902231"/>
-            <a:ext cx="3383280" cy="1631216"/>
-          </a:xfrm>
-          <a:prstGeom prst="rect">
-            <a:avLst/>
-          </a:prstGeom>
-          <a:noFill/>
-        </p:spPr>
-        <p:txBody>
-          <a:bodyPr wrap="square" rtlCol="0">
-            <a:spAutoFit/>
-          </a:bodyPr>
-          <a:lstStyle/>
-          <a:p>
-            <a:pPr algn="ctr"/>
-            <a:r>
-              <a:rPr lang="en-US" sz="9600" b="1" dirty="0">
-                <a:latin typeface="Gloucester MT Extra Condensed" panose="02030808020601010101" pitchFamily="18" charset="0"/>
-                <a:cs typeface="Adobe Naskh Medium" panose="01010101010101010101" pitchFamily="50" charset="-78"/>
-              </a:rPr>
-              <a:t>123,456</a:t>
-            </a:r>
-          </a:p>
-        </p:txBody>
-      </p:sp>
-      <p:sp>
-        <p:nvSpPr>
-          <p:cNvPr id="16" name="TextBox 15">
-            <a:extLst>
-              <a:ext uri="{FF2B5EF4-FFF2-40B4-BE49-F238E27FC236}">
-                <a16:creationId xmlns:a16="http://schemas.microsoft.com/office/drawing/2014/main" id="{597C05DF-32C0-4763-ADF3-47061ABE606F}"/>
-              </a:ext>
-            </a:extLst>
-          </p:cNvPr>
-          <p:cNvSpPr txBox="1"/>
-          <p:nvPr/>
-        </p:nvSpPr>
-        <p:spPr>
-          <a:xfrm>
-            <a:off x="8432800" y="3333392"/>
-            <a:ext cx="3383280" cy="1323439"/>
-          </a:xfrm>
-          <a:prstGeom prst="rect">
-            <a:avLst/>
-          </a:prstGeom>
-          <a:noFill/>
-        </p:spPr>
-        <p:txBody>
-          <a:bodyPr wrap="square" rtlCol="0">
-            <a:spAutoFit/>
-          </a:bodyPr>
-          <a:lstStyle/>
-          <a:p>
-            <a:pPr algn="ctr"/>
-            <a:r>
-              <a:rPr lang="en-US" sz="8000" b="1" dirty="0">
-                <a:latin typeface="Harlow Solid Italic" panose="04030604020F02020D02" pitchFamily="82" charset="0"/>
-                <a:cs typeface="Adobe Naskh Medium" panose="01010101010101010101" pitchFamily="50" charset="-78"/>
-              </a:rPr>
-              <a:t>123,456</a:t>
-            </a:r>
-          </a:p>
-        </p:txBody>
-      </p:sp>
-      <p:sp>
-        <p:nvSpPr>
-          <p:cNvPr id="17" name="TextBox 16">
-            <a:extLst>
-              <a:ext uri="{FF2B5EF4-FFF2-40B4-BE49-F238E27FC236}">
-                <a16:creationId xmlns:a16="http://schemas.microsoft.com/office/drawing/2014/main" id="{884DA636-FB06-4BE6-9473-57EBAF1DC58F}"/>
-              </a:ext>
-            </a:extLst>
-          </p:cNvPr>
-          <p:cNvSpPr txBox="1"/>
-          <p:nvPr/>
-        </p:nvSpPr>
-        <p:spPr>
-          <a:xfrm>
-            <a:off x="8509000" y="4240936"/>
-            <a:ext cx="3383280" cy="1323439"/>
-          </a:xfrm>
-          <a:prstGeom prst="rect">
-            <a:avLst/>
-          </a:prstGeom>
-          <a:noFill/>
-        </p:spPr>
-        <p:txBody>
-          <a:bodyPr wrap="square" rtlCol="0">
-            <a:spAutoFit/>
-          </a:bodyPr>
-          <a:lstStyle/>
-          <a:p>
-            <a:pPr algn="ctr"/>
-            <a:r>
-              <a:rPr lang="en-US" sz="8000" b="1" dirty="0">
-                <a:latin typeface="Minion Pro Cond" panose="02040706060306020203" pitchFamily="18" charset="0"/>
-                <a:cs typeface="Adobe Naskh Medium" panose="01010101010101010101" pitchFamily="50" charset="-78"/>
-              </a:rPr>
-              <a:t>123,456</a:t>
-            </a:r>
-          </a:p>
-        </p:txBody>
-      </p:sp>
-      <p:sp>
-        <p:nvSpPr>
-          <p:cNvPr id="18" name="TextBox 17">
-            <a:extLst>
-              <a:ext uri="{FF2B5EF4-FFF2-40B4-BE49-F238E27FC236}">
-                <a16:creationId xmlns:a16="http://schemas.microsoft.com/office/drawing/2014/main" id="{0DF45F97-6922-4B47-82A6-52D4AE48EE84}"/>
-              </a:ext>
-            </a:extLst>
-          </p:cNvPr>
-          <p:cNvSpPr txBox="1"/>
-          <p:nvPr/>
-        </p:nvSpPr>
-        <p:spPr>
-          <a:xfrm>
-            <a:off x="8509000" y="5302368"/>
-            <a:ext cx="3383280" cy="1015663"/>
-          </a:xfrm>
-          <a:prstGeom prst="rect">
-            <a:avLst/>
-          </a:prstGeom>
-          <a:noFill/>
-        </p:spPr>
-        <p:txBody>
-          <a:bodyPr wrap="square" rtlCol="0">
-            <a:spAutoFit/>
-          </a:bodyPr>
-          <a:lstStyle/>
-          <a:p>
-            <a:pPr algn="ctr"/>
-            <a:r>
-              <a:rPr lang="en-US" sz="6000" b="1" dirty="0">
-                <a:latin typeface="Miramonte" panose="020B0502030504020203" pitchFamily="34" charset="0"/>
-                <a:cs typeface="Adobe Naskh Medium" panose="01010101010101010101" pitchFamily="50" charset="-78"/>
-              </a:rPr>
-              <a:t>123,456</a:t>
-            </a:r>
-          </a:p>
-        </p:txBody>
-      </p:sp>
-      <p:sp>
-        <p:nvSpPr>
-          <p:cNvPr id="19" name="Arrow: Right 18">
-            <a:extLst>
-              <a:ext uri="{FF2B5EF4-FFF2-40B4-BE49-F238E27FC236}">
-                <a16:creationId xmlns:a16="http://schemas.microsoft.com/office/drawing/2014/main" id="{E1405953-DE3A-4154-98B4-C7087F1032C8}"/>
-              </a:ext>
-            </a:extLst>
-          </p:cNvPr>
-          <p:cNvSpPr/>
-          <p:nvPr/>
-        </p:nvSpPr>
-        <p:spPr>
-          <a:xfrm>
-            <a:off x="8238490" y="949147"/>
-            <a:ext cx="601980" cy="461206"/>
-          </a:xfrm>
-          <a:prstGeom prst="rightArrow">
-            <a:avLst>
-              <a:gd name="adj1" fmla="val 50000"/>
-              <a:gd name="adj2" fmla="val 76435"/>
-            </a:avLst>
-          </a:prstGeom>
-          <a:solidFill>
-            <a:srgbClr val="FFFF00"/>
-          </a:solidFill>
-        </p:spPr>
-        <p:style>
-          <a:lnRef idx="2">
-            <a:schemeClr val="accent1">
-              <a:shade val="50000"/>
-            </a:schemeClr>
-          </a:lnRef>
-          <a:fillRef idx="1">
-            <a:schemeClr val="accent1"/>
-          </a:fillRef>
-          <a:effectRef idx="0">
-            <a:schemeClr val="accent1"/>
-          </a:effectRef>
-          <a:fontRef idx="minor">
-            <a:schemeClr val="lt1"/>
-          </a:fontRef>
-        </p:style>
-        <p:txBody>
-          <a:bodyPr rtlCol="0" anchor="ctr"/>
-          <a:lstStyle/>
-          <a:p>
-            <a:pPr algn="ctr"/>
-            <a:endParaRPr lang="en-US"/>
-          </a:p>
-        </p:txBody>
-      </p:sp>
-      <p:sp>
-        <p:nvSpPr>
-          <p:cNvPr id="22" name="Arrow: Right 21">
-            <a:extLst>
-              <a:ext uri="{FF2B5EF4-FFF2-40B4-BE49-F238E27FC236}">
-                <a16:creationId xmlns:a16="http://schemas.microsoft.com/office/drawing/2014/main" id="{5B23AA58-EB48-4EE2-A721-0DA2767366A4}"/>
-              </a:ext>
-            </a:extLst>
-          </p:cNvPr>
-          <p:cNvSpPr/>
-          <p:nvPr/>
-        </p:nvSpPr>
-        <p:spPr>
-          <a:xfrm>
-            <a:off x="8131810" y="3667021"/>
-            <a:ext cx="601980" cy="461206"/>
-          </a:xfrm>
-          <a:prstGeom prst="rightArrow">
-            <a:avLst>
-              <a:gd name="adj1" fmla="val 50000"/>
-              <a:gd name="adj2" fmla="val 76435"/>
-            </a:avLst>
-          </a:prstGeom>
-          <a:solidFill>
-            <a:srgbClr val="FFFF00"/>
-          </a:solidFill>
-        </p:spPr>
-        <p:style>
-          <a:lnRef idx="2">
-            <a:schemeClr val="accent1">
-              <a:shade val="50000"/>
-            </a:schemeClr>
-          </a:lnRef>
-          <a:fillRef idx="1">
-            <a:schemeClr val="accent1"/>
-          </a:fillRef>
-          <a:effectRef idx="0">
-            <a:schemeClr val="accent1"/>
-          </a:effectRef>
-          <a:fontRef idx="minor">
-            <a:schemeClr val="lt1"/>
-          </a:fontRef>
-        </p:style>
-        <p:txBody>
-          <a:bodyPr rtlCol="0" anchor="ctr"/>
-          <a:lstStyle/>
-          <a:p>
-            <a:pPr algn="ctr"/>
-            <a:endParaRPr lang="en-US"/>
-          </a:p>
-        </p:txBody>
-      </p:sp>
-    </p:spTree>
-    <p:extLst>
-      <p:ext uri="{BB962C8B-B14F-4D97-AF65-F5344CB8AC3E}">
-        <p14:creationId xmlns:p14="http://schemas.microsoft.com/office/powerpoint/2010/main" val="1476659309"/>
       </p:ext>
     </p:extLst>
   </p:cSld>
@@ -10547,6 +10683,389 @@
       </p:sp>
       <p:sp>
         <p:nvSpPr>
+          <p:cNvPr id="21" name="TextBox 20">
+            <a:extLst>
+              <a:ext uri="{FF2B5EF4-FFF2-40B4-BE49-F238E27FC236}">
+                <a16:creationId xmlns:a16="http://schemas.microsoft.com/office/drawing/2014/main" id="{57BE1FF1-30A9-40BD-A373-B9E60DE4875D}"/>
+              </a:ext>
+            </a:extLst>
+          </p:cNvPr>
+          <p:cNvSpPr txBox="1"/>
+          <p:nvPr/>
+        </p:nvSpPr>
+        <p:spPr>
+          <a:xfrm>
+            <a:off x="8509000" y="133310"/>
+            <a:ext cx="3383280" cy="2092881"/>
+          </a:xfrm>
+          <a:prstGeom prst="rect">
+            <a:avLst/>
+          </a:prstGeom>
+          <a:noFill/>
+        </p:spPr>
+        <p:txBody>
+          <a:bodyPr wrap="square" rtlCol="0">
+            <a:spAutoFit/>
+          </a:bodyPr>
+          <a:lstStyle/>
+          <a:p>
+            <a:pPr algn="ctr"/>
+            <a:r>
+              <a:rPr lang="en-US" sz="13000" b="1" dirty="0">
+                <a:latin typeface="Gill Sans MT Ext Condensed Bold" panose="020B0902020104020203" pitchFamily="34" charset="0"/>
+                <a:cs typeface="Adobe Naskh Medium" panose="01010101010101010101" pitchFamily="50" charset="-78"/>
+              </a:rPr>
+              <a:t>123,456</a:t>
+            </a:r>
+          </a:p>
+        </p:txBody>
+      </p:sp>
+      <p:sp>
+        <p:nvSpPr>
+          <p:cNvPr id="15" name="TextBox 14">
+            <a:extLst>
+              <a:ext uri="{FF2B5EF4-FFF2-40B4-BE49-F238E27FC236}">
+                <a16:creationId xmlns:a16="http://schemas.microsoft.com/office/drawing/2014/main" id="{5C06B116-AA6E-4399-9B5D-EB90B3807676}"/>
+              </a:ext>
+            </a:extLst>
+          </p:cNvPr>
+          <p:cNvSpPr txBox="1"/>
+          <p:nvPr/>
+        </p:nvSpPr>
+        <p:spPr>
+          <a:xfrm>
+            <a:off x="8509000" y="1902231"/>
+            <a:ext cx="3383280" cy="1631216"/>
+          </a:xfrm>
+          <a:prstGeom prst="rect">
+            <a:avLst/>
+          </a:prstGeom>
+          <a:noFill/>
+        </p:spPr>
+        <p:txBody>
+          <a:bodyPr wrap="square" rtlCol="0">
+            <a:spAutoFit/>
+          </a:bodyPr>
+          <a:lstStyle/>
+          <a:p>
+            <a:pPr algn="ctr"/>
+            <a:r>
+              <a:rPr lang="en-US" sz="9600" b="1" dirty="0">
+                <a:latin typeface="Gloucester MT Extra Condensed" panose="02030808020601010101" pitchFamily="18" charset="0"/>
+                <a:cs typeface="Adobe Naskh Medium" panose="01010101010101010101" pitchFamily="50" charset="-78"/>
+              </a:rPr>
+              <a:t>123,456</a:t>
+            </a:r>
+          </a:p>
+        </p:txBody>
+      </p:sp>
+      <p:sp>
+        <p:nvSpPr>
+          <p:cNvPr id="16" name="TextBox 15">
+            <a:extLst>
+              <a:ext uri="{FF2B5EF4-FFF2-40B4-BE49-F238E27FC236}">
+                <a16:creationId xmlns:a16="http://schemas.microsoft.com/office/drawing/2014/main" id="{597C05DF-32C0-4763-ADF3-47061ABE606F}"/>
+              </a:ext>
+            </a:extLst>
+          </p:cNvPr>
+          <p:cNvSpPr txBox="1"/>
+          <p:nvPr/>
+        </p:nvSpPr>
+        <p:spPr>
+          <a:xfrm>
+            <a:off x="8432800" y="3333392"/>
+            <a:ext cx="3383280" cy="1323439"/>
+          </a:xfrm>
+          <a:prstGeom prst="rect">
+            <a:avLst/>
+          </a:prstGeom>
+          <a:noFill/>
+        </p:spPr>
+        <p:txBody>
+          <a:bodyPr wrap="square" rtlCol="0">
+            <a:spAutoFit/>
+          </a:bodyPr>
+          <a:lstStyle/>
+          <a:p>
+            <a:pPr algn="ctr"/>
+            <a:r>
+              <a:rPr lang="en-US" sz="8000" b="1" dirty="0">
+                <a:latin typeface="Harlow Solid Italic" panose="04030604020F02020D02" pitchFamily="82" charset="0"/>
+                <a:cs typeface="Adobe Naskh Medium" panose="01010101010101010101" pitchFamily="50" charset="-78"/>
+              </a:rPr>
+              <a:t>123,456</a:t>
+            </a:r>
+          </a:p>
+        </p:txBody>
+      </p:sp>
+      <p:sp>
+        <p:nvSpPr>
+          <p:cNvPr id="17" name="TextBox 16">
+            <a:extLst>
+              <a:ext uri="{FF2B5EF4-FFF2-40B4-BE49-F238E27FC236}">
+                <a16:creationId xmlns:a16="http://schemas.microsoft.com/office/drawing/2014/main" id="{884DA636-FB06-4BE6-9473-57EBAF1DC58F}"/>
+              </a:ext>
+            </a:extLst>
+          </p:cNvPr>
+          <p:cNvSpPr txBox="1"/>
+          <p:nvPr/>
+        </p:nvSpPr>
+        <p:spPr>
+          <a:xfrm>
+            <a:off x="8509000" y="4240936"/>
+            <a:ext cx="3383280" cy="1323439"/>
+          </a:xfrm>
+          <a:prstGeom prst="rect">
+            <a:avLst/>
+          </a:prstGeom>
+          <a:noFill/>
+        </p:spPr>
+        <p:txBody>
+          <a:bodyPr wrap="square" rtlCol="0">
+            <a:spAutoFit/>
+          </a:bodyPr>
+          <a:lstStyle/>
+          <a:p>
+            <a:pPr algn="ctr"/>
+            <a:r>
+              <a:rPr lang="en-US" sz="8000" b="1" dirty="0">
+                <a:latin typeface="Minion Pro Cond" panose="02040706060306020203" pitchFamily="18" charset="0"/>
+                <a:cs typeface="Adobe Naskh Medium" panose="01010101010101010101" pitchFamily="50" charset="-78"/>
+              </a:rPr>
+              <a:t>123,456</a:t>
+            </a:r>
+          </a:p>
+        </p:txBody>
+      </p:sp>
+      <p:sp>
+        <p:nvSpPr>
+          <p:cNvPr id="18" name="TextBox 17">
+            <a:extLst>
+              <a:ext uri="{FF2B5EF4-FFF2-40B4-BE49-F238E27FC236}">
+                <a16:creationId xmlns:a16="http://schemas.microsoft.com/office/drawing/2014/main" id="{0DF45F97-6922-4B47-82A6-52D4AE48EE84}"/>
+              </a:ext>
+            </a:extLst>
+          </p:cNvPr>
+          <p:cNvSpPr txBox="1"/>
+          <p:nvPr/>
+        </p:nvSpPr>
+        <p:spPr>
+          <a:xfrm>
+            <a:off x="8509000" y="5302368"/>
+            <a:ext cx="3383280" cy="1015663"/>
+          </a:xfrm>
+          <a:prstGeom prst="rect">
+            <a:avLst/>
+          </a:prstGeom>
+          <a:noFill/>
+        </p:spPr>
+        <p:txBody>
+          <a:bodyPr wrap="square" rtlCol="0">
+            <a:spAutoFit/>
+          </a:bodyPr>
+          <a:lstStyle/>
+          <a:p>
+            <a:pPr algn="ctr"/>
+            <a:r>
+              <a:rPr lang="en-US" sz="6000" b="1" dirty="0">
+                <a:latin typeface="Miramonte" panose="020B0502030504020203" pitchFamily="34" charset="0"/>
+                <a:cs typeface="Adobe Naskh Medium" panose="01010101010101010101" pitchFamily="50" charset="-78"/>
+              </a:rPr>
+              <a:t>123,456</a:t>
+            </a:r>
+          </a:p>
+        </p:txBody>
+      </p:sp>
+      <p:sp>
+        <p:nvSpPr>
+          <p:cNvPr id="19" name="Arrow: Right 18">
+            <a:extLst>
+              <a:ext uri="{FF2B5EF4-FFF2-40B4-BE49-F238E27FC236}">
+                <a16:creationId xmlns:a16="http://schemas.microsoft.com/office/drawing/2014/main" id="{E1405953-DE3A-4154-98B4-C7087F1032C8}"/>
+              </a:ext>
+            </a:extLst>
+          </p:cNvPr>
+          <p:cNvSpPr/>
+          <p:nvPr/>
+        </p:nvSpPr>
+        <p:spPr>
+          <a:xfrm>
+            <a:off x="8238490" y="949147"/>
+            <a:ext cx="601980" cy="461206"/>
+          </a:xfrm>
+          <a:prstGeom prst="rightArrow">
+            <a:avLst>
+              <a:gd name="adj1" fmla="val 50000"/>
+              <a:gd name="adj2" fmla="val 76435"/>
+            </a:avLst>
+          </a:prstGeom>
+          <a:solidFill>
+            <a:srgbClr val="FFFF00"/>
+          </a:solidFill>
+        </p:spPr>
+        <p:style>
+          <a:lnRef idx="2">
+            <a:schemeClr val="accent1">
+              <a:shade val="50000"/>
+            </a:schemeClr>
+          </a:lnRef>
+          <a:fillRef idx="1">
+            <a:schemeClr val="accent1"/>
+          </a:fillRef>
+          <a:effectRef idx="0">
+            <a:schemeClr val="accent1"/>
+          </a:effectRef>
+          <a:fontRef idx="minor">
+            <a:schemeClr val="lt1"/>
+          </a:fontRef>
+        </p:style>
+        <p:txBody>
+          <a:bodyPr rtlCol="0" anchor="ctr"/>
+          <a:lstStyle/>
+          <a:p>
+            <a:pPr algn="ctr"/>
+            <a:endParaRPr lang="en-US"/>
+          </a:p>
+        </p:txBody>
+      </p:sp>
+      <p:sp>
+        <p:nvSpPr>
+          <p:cNvPr id="22" name="Arrow: Right 21">
+            <a:extLst>
+              <a:ext uri="{FF2B5EF4-FFF2-40B4-BE49-F238E27FC236}">
+                <a16:creationId xmlns:a16="http://schemas.microsoft.com/office/drawing/2014/main" id="{5B23AA58-EB48-4EE2-A721-0DA2767366A4}"/>
+              </a:ext>
+            </a:extLst>
+          </p:cNvPr>
+          <p:cNvSpPr/>
+          <p:nvPr/>
+        </p:nvSpPr>
+        <p:spPr>
+          <a:xfrm>
+            <a:off x="8131810" y="3667021"/>
+            <a:ext cx="601980" cy="461206"/>
+          </a:xfrm>
+          <a:prstGeom prst="rightArrow">
+            <a:avLst>
+              <a:gd name="adj1" fmla="val 50000"/>
+              <a:gd name="adj2" fmla="val 76435"/>
+            </a:avLst>
+          </a:prstGeom>
+          <a:solidFill>
+            <a:srgbClr val="FFFF00"/>
+          </a:solidFill>
+        </p:spPr>
+        <p:style>
+          <a:lnRef idx="2">
+            <a:schemeClr val="accent1">
+              <a:shade val="50000"/>
+            </a:schemeClr>
+          </a:lnRef>
+          <a:fillRef idx="1">
+            <a:schemeClr val="accent1"/>
+          </a:fillRef>
+          <a:effectRef idx="0">
+            <a:schemeClr val="accent1"/>
+          </a:effectRef>
+          <a:fontRef idx="minor">
+            <a:schemeClr val="lt1"/>
+          </a:fontRef>
+        </p:style>
+        <p:txBody>
+          <a:bodyPr rtlCol="0" anchor="ctr"/>
+          <a:lstStyle/>
+          <a:p>
+            <a:pPr algn="ctr"/>
+            <a:endParaRPr lang="en-US"/>
+          </a:p>
+        </p:txBody>
+      </p:sp>
+    </p:spTree>
+    <p:extLst>
+      <p:ext uri="{BB962C8B-B14F-4D97-AF65-F5344CB8AC3E}">
+        <p14:creationId xmlns:p14="http://schemas.microsoft.com/office/powerpoint/2010/main" val="1476659309"/>
+      </p:ext>
+    </p:extLst>
+  </p:cSld>
+  <p:clrMapOvr>
+    <a:masterClrMapping/>
+  </p:clrMapOvr>
+</p:sld>
+</file>
+
+<file path=ppt/slides/slide21.xml><?xml version="1.0" encoding="utf-8"?>
+<p:sld xmlns:a="http://schemas.openxmlformats.org/drawingml/2006/main" xmlns:r="http://schemas.openxmlformats.org/officeDocument/2006/relationships" xmlns:p="http://schemas.openxmlformats.org/presentationml/2006/main">
+  <p:cSld>
+    <p:spTree>
+      <p:nvGrpSpPr>
+        <p:cNvPr id="1" name=""/>
+        <p:cNvGrpSpPr/>
+        <p:nvPr/>
+      </p:nvGrpSpPr>
+      <p:grpSpPr>
+        <a:xfrm>
+          <a:off x="0" y="0"/>
+          <a:ext cx="0" cy="0"/>
+          <a:chOff x="0" y="0"/>
+          <a:chExt cx="0" cy="0"/>
+        </a:xfrm>
+      </p:grpSpPr>
+      <p:sp>
+        <p:nvSpPr>
+          <p:cNvPr id="14" name="Rectangle 13">
+            <a:extLst>
+              <a:ext uri="{FF2B5EF4-FFF2-40B4-BE49-F238E27FC236}">
+                <a16:creationId xmlns:a16="http://schemas.microsoft.com/office/drawing/2014/main" id="{2B5C8B1F-1058-4CF2-8004-801111F8DA45}"/>
+              </a:ext>
+            </a:extLst>
+          </p:cNvPr>
+          <p:cNvSpPr/>
+          <p:nvPr/>
+        </p:nvSpPr>
+        <p:spPr>
+          <a:xfrm>
+            <a:off x="8585200" y="294640"/>
+            <a:ext cx="3230880" cy="6177280"/>
+          </a:xfrm>
+          <a:prstGeom prst="rect">
+            <a:avLst/>
+          </a:prstGeom>
+          <a:solidFill>
+            <a:srgbClr val="F5F4EF"/>
+          </a:solidFill>
+          <a:ln>
+            <a:solidFill>
+              <a:schemeClr val="tx1"/>
+            </a:solidFill>
+          </a:ln>
+        </p:spPr>
+        <p:style>
+          <a:lnRef idx="2">
+            <a:schemeClr val="accent1">
+              <a:shade val="50000"/>
+            </a:schemeClr>
+          </a:lnRef>
+          <a:fillRef idx="1">
+            <a:schemeClr val="accent1"/>
+          </a:fillRef>
+          <a:effectRef idx="0">
+            <a:schemeClr val="accent1"/>
+          </a:effectRef>
+          <a:fontRef idx="minor">
+            <a:schemeClr val="lt1"/>
+          </a:fontRef>
+        </p:style>
+        <p:txBody>
+          <a:bodyPr rtlCol="0" anchor="ctr"/>
+          <a:lstStyle/>
+          <a:p>
+            <a:pPr algn="ctr"/>
+            <a:endParaRPr lang="en-US"/>
+          </a:p>
+        </p:txBody>
+      </p:sp>
+      <p:sp>
+        <p:nvSpPr>
           <p:cNvPr id="9" name="TextBox 8">
             <a:extLst>
               <a:ext uri="{FF2B5EF4-FFF2-40B4-BE49-F238E27FC236}">
@@ -10883,7 +11402,7 @@
 </p:sld>
 </file>
 
-<file path=ppt/slides/slide21.xml><?xml version="1.0" encoding="utf-8"?>
+<file path=ppt/slides/slide22.xml><?xml version="1.0" encoding="utf-8"?>
 <p:sld xmlns:a="http://schemas.openxmlformats.org/drawingml/2006/main" xmlns:r="http://schemas.openxmlformats.org/officeDocument/2006/relationships" xmlns:p="http://schemas.openxmlformats.org/presentationml/2006/main">
   <p:cSld>
     <p:spTree>
@@ -11305,7 +11824,7 @@
 </p:sld>
 </file>
 
-<file path=ppt/slides/slide22.xml><?xml version="1.0" encoding="utf-8"?>
+<file path=ppt/slides/slide23.xml><?xml version="1.0" encoding="utf-8"?>
 <p:sld xmlns:a="http://schemas.openxmlformats.org/drawingml/2006/main" xmlns:r="http://schemas.openxmlformats.org/officeDocument/2006/relationships" xmlns:p="http://schemas.openxmlformats.org/presentationml/2006/main">
   <p:cSld>
     <p:spTree>
@@ -11584,7 +12103,7 @@
 </p:sld>
 </file>
 
-<file path=ppt/slides/slide23.xml><?xml version="1.0" encoding="utf-8"?>
+<file path=ppt/slides/slide24.xml><?xml version="1.0" encoding="utf-8"?>
 <p:sld xmlns:a="http://schemas.openxmlformats.org/drawingml/2006/main" xmlns:r="http://schemas.openxmlformats.org/officeDocument/2006/relationships" xmlns:p="http://schemas.openxmlformats.org/presentationml/2006/main">
   <p:cSld>
     <p:spTree>
@@ -11653,7 +12172,7 @@
 </p:sld>
 </file>
 
-<file path=ppt/slides/slide24.xml><?xml version="1.0" encoding="utf-8"?>
+<file path=ppt/slides/slide25.xml><?xml version="1.0" encoding="utf-8"?>
 <p:sld xmlns:a="http://schemas.openxmlformats.org/drawingml/2006/main" xmlns:r="http://schemas.openxmlformats.org/officeDocument/2006/relationships" xmlns:p="http://schemas.openxmlformats.org/presentationml/2006/main">
   <p:cSld>
     <p:spTree>
@@ -12072,7 +12591,7 @@
 </p:sld>
 </file>
 
-<file path=ppt/slides/slide25.xml><?xml version="1.0" encoding="utf-8"?>
+<file path=ppt/slides/slide26.xml><?xml version="1.0" encoding="utf-8"?>
 <p:sld xmlns:a="http://schemas.openxmlformats.org/drawingml/2006/main" xmlns:r="http://schemas.openxmlformats.org/officeDocument/2006/relationships" xmlns:p="http://schemas.openxmlformats.org/presentationml/2006/main">
   <p:cSld>
     <p:spTree>
